--- a/Section05/FlowPoint/FlowPoint.pptx
+++ b/Section05/FlowPoint/FlowPoint.pptx
@@ -5,10 +5,10 @@
     <p:sldMasterId id="2147483778" r:id="rId4"/>
   </p:sldMasterIdLst>
   <p:notesMasterIdLst>
-    <p:notesMasterId r:id="rId27"/>
+    <p:notesMasterId r:id="rId28"/>
   </p:notesMasterIdLst>
   <p:handoutMasterIdLst>
-    <p:handoutMasterId r:id="rId28"/>
+    <p:handoutMasterId r:id="rId29"/>
   </p:handoutMasterIdLst>
   <p:sldIdLst>
     <p:sldId id="314" r:id="rId5"/>
@@ -28,11 +28,12 @@
     <p:sldId id="406" r:id="rId19"/>
     <p:sldId id="407" r:id="rId20"/>
     <p:sldId id="408" r:id="rId21"/>
-    <p:sldId id="385" r:id="rId22"/>
-    <p:sldId id="351" r:id="rId23"/>
-    <p:sldId id="352" r:id="rId24"/>
-    <p:sldId id="335" r:id="rId25"/>
-    <p:sldId id="332" r:id="rId26"/>
+    <p:sldId id="409" r:id="rId22"/>
+    <p:sldId id="410" r:id="rId23"/>
+    <p:sldId id="351" r:id="rId24"/>
+    <p:sldId id="352" r:id="rId25"/>
+    <p:sldId id="335" r:id="rId26"/>
+    <p:sldId id="332" r:id="rId27"/>
   </p:sldIdLst>
   <p:sldSz cx="12192000" cy="6858000"/>
   <p:notesSz cx="6858000" cy="9144000"/>
@@ -153,7 +154,8 @@
             <p14:sldId id="406"/>
             <p14:sldId id="407"/>
             <p14:sldId id="408"/>
-            <p14:sldId id="385"/>
+            <p14:sldId id="409"/>
+            <p14:sldId id="410"/>
             <p14:sldId id="351"/>
             <p14:sldId id="352"/>
             <p14:sldId id="335"/>
@@ -1575,7 +1577,7 @@
     </p:spTree>
     <p:extLst>
       <p:ext uri="{BB962C8B-B14F-4D97-AF65-F5344CB8AC3E}">
-        <p14:creationId xmlns:p14="http://schemas.microsoft.com/office/powerpoint/2010/main" val="2599579531"/>
+        <p14:creationId xmlns:p14="http://schemas.microsoft.com/office/powerpoint/2010/main" val="775545691"/>
       </p:ext>
     </p:extLst>
   </p:cSld>
@@ -1663,7 +1665,7 @@
     </p:spTree>
     <p:extLst>
       <p:ext uri="{BB962C8B-B14F-4D97-AF65-F5344CB8AC3E}">
-        <p14:creationId xmlns:p14="http://schemas.microsoft.com/office/powerpoint/2010/main" val="4031821120"/>
+        <p14:creationId xmlns:p14="http://schemas.microsoft.com/office/powerpoint/2010/main" val="1040693382"/>
       </p:ext>
     </p:extLst>
   </p:cSld>
@@ -1839,7 +1841,7 @@
     </p:spTree>
     <p:extLst>
       <p:ext uri="{BB962C8B-B14F-4D97-AF65-F5344CB8AC3E}">
-        <p14:creationId xmlns:p14="http://schemas.microsoft.com/office/powerpoint/2010/main" val="4051780463"/>
+        <p14:creationId xmlns:p14="http://schemas.microsoft.com/office/powerpoint/2010/main" val="4031821120"/>
       </p:ext>
     </p:extLst>
   </p:cSld>
@@ -1927,7 +1929,7 @@
     </p:spTree>
     <p:extLst>
       <p:ext uri="{BB962C8B-B14F-4D97-AF65-F5344CB8AC3E}">
-        <p14:creationId xmlns:p14="http://schemas.microsoft.com/office/powerpoint/2010/main" val="2641391555"/>
+        <p14:creationId xmlns:p14="http://schemas.microsoft.com/office/powerpoint/2010/main" val="4051780463"/>
       </p:ext>
     </p:extLst>
   </p:cSld>
@@ -2007,6 +2009,94 @@
             <a:fld id="{810E1E9A-E921-4174-A0FC-51868D7AC568}" type="slidenum">
               <a:rPr lang="es-ES" noProof="0" smtClean="0"/>
               <a:t>22</a:t>
+            </a:fld>
+            <a:endParaRPr lang="es-ES" noProof="0" dirty="0"/>
+          </a:p>
+        </p:txBody>
+      </p:sp>
+    </p:spTree>
+    <p:extLst>
+      <p:ext uri="{BB962C8B-B14F-4D97-AF65-F5344CB8AC3E}">
+        <p14:creationId xmlns:p14="http://schemas.microsoft.com/office/powerpoint/2010/main" val="2641391555"/>
+      </p:ext>
+    </p:extLst>
+  </p:cSld>
+  <p:clrMapOvr>
+    <a:masterClrMapping/>
+  </p:clrMapOvr>
+</p:notes>
+</file>
+
+<file path=ppt/notesSlides/notesSlide23.xml><?xml version="1.0" encoding="utf-8"?>
+<p:notes xmlns:a="http://schemas.openxmlformats.org/drawingml/2006/main" xmlns:r="http://schemas.openxmlformats.org/officeDocument/2006/relationships" xmlns:p="http://schemas.openxmlformats.org/presentationml/2006/main">
+  <p:cSld>
+    <p:spTree>
+      <p:nvGrpSpPr>
+        <p:cNvPr id="1" name=""/>
+        <p:cNvGrpSpPr/>
+        <p:nvPr/>
+      </p:nvGrpSpPr>
+      <p:grpSpPr>
+        <a:xfrm>
+          <a:off x="0" y="0"/>
+          <a:ext cx="0" cy="0"/>
+          <a:chOff x="0" y="0"/>
+          <a:chExt cx="0" cy="0"/>
+        </a:xfrm>
+      </p:grpSpPr>
+      <p:sp>
+        <p:nvSpPr>
+          <p:cNvPr id="2" name="Slide Image Placeholder 1"/>
+          <p:cNvSpPr>
+            <a:spLocks noGrp="1" noRot="1" noChangeAspect="1"/>
+          </p:cNvSpPr>
+          <p:nvPr>
+            <p:ph type="sldImg"/>
+          </p:nvPr>
+        </p:nvSpPr>
+        <p:spPr/>
+      </p:sp>
+      <p:sp>
+        <p:nvSpPr>
+          <p:cNvPr id="3" name="Notes Placeholder 2"/>
+          <p:cNvSpPr>
+            <a:spLocks noGrp="1"/>
+          </p:cNvSpPr>
+          <p:nvPr>
+            <p:ph type="body" idx="1"/>
+          </p:nvPr>
+        </p:nvSpPr>
+        <p:spPr/>
+        <p:txBody>
+          <a:bodyPr/>
+          <a:lstStyle/>
+          <a:p>
+            <a:endParaRPr lang="es-CO" sz="1000" dirty="0">
+              <a:latin typeface="Segoe UI Light" panose="020B0502040204020203" pitchFamily="34" charset="0"/>
+              <a:cs typeface="Segoe UI Light" panose="020B0502040204020203" pitchFamily="34" charset="0"/>
+            </a:endParaRPr>
+          </a:p>
+        </p:txBody>
+      </p:sp>
+      <p:sp>
+        <p:nvSpPr>
+          <p:cNvPr id="4" name="Slide Number Placeholder 3"/>
+          <p:cNvSpPr>
+            <a:spLocks noGrp="1"/>
+          </p:cNvSpPr>
+          <p:nvPr>
+            <p:ph type="sldNum" sz="quarter" idx="5"/>
+          </p:nvPr>
+        </p:nvSpPr>
+        <p:spPr/>
+        <p:txBody>
+          <a:bodyPr/>
+          <a:lstStyle/>
+          <a:p>
+            <a:pPr rtl="0"/>
+            <a:fld id="{810E1E9A-E921-4174-A0FC-51868D7AC568}" type="slidenum">
+              <a:rPr lang="es-ES" noProof="0" smtClean="0"/>
+              <a:t>23</a:t>
             </a:fld>
             <a:endParaRPr lang="es-ES" noProof="0" dirty="0"/>
           </a:p>
@@ -9325,6 +9415,14 @@
 <file path=ppt/slides/slide18.xml><?xml version="1.0" encoding="utf-8"?>
 <p:sld xmlns:a="http://schemas.openxmlformats.org/drawingml/2006/main" xmlns:r="http://schemas.openxmlformats.org/officeDocument/2006/relationships" xmlns:p="http://schemas.openxmlformats.org/presentationml/2006/main">
   <p:cSld>
+    <p:bg>
+      <p:bgPr>
+        <a:solidFill>
+          <a:srgbClr val="FFFFFF"/>
+        </a:solidFill>
+        <a:effectLst/>
+      </p:bgPr>
+    </p:bg>
     <p:spTree>
       <p:nvGrpSpPr>
         <p:cNvPr id="1" name=""/>
@@ -9339,89 +9437,57 @@
           <a:chExt cx="0" cy="0"/>
         </a:xfrm>
       </p:grpSpPr>
-      <p:sp>
-        <p:nvSpPr>
-          <p:cNvPr id="2" name="Title 1">
+      <p:pic>
+        <p:nvPicPr>
+          <p:cNvPr id="14338" name="Picture 2" descr="R.LTWB">
             <a:extLst>
               <a:ext uri="{FF2B5EF4-FFF2-40B4-BE49-F238E27FC236}">
-                <a16:creationId xmlns:a16="http://schemas.microsoft.com/office/drawing/2014/main" id="{761F1C5F-080A-39E7-EE8E-E3BC1FA08D55}"/>
+                <a16:creationId xmlns:a16="http://schemas.microsoft.com/office/drawing/2014/main" id="{3690EF89-3BCD-CD8E-CA4E-F50B586F1614}"/>
               </a:ext>
             </a:extLst>
           </p:cNvPr>
-          <p:cNvSpPr txBox="1">
-            <a:spLocks/>
-          </p:cNvSpPr>
+          <p:cNvPicPr>
+            <a:picLocks noChangeAspect="1" noChangeArrowheads="1"/>
+          </p:cNvPicPr>
           <p:nvPr/>
-        </p:nvSpPr>
-        <p:spPr>
+        </p:nvPicPr>
+        <p:blipFill>
+          <a:blip r:embed="rId3">
+            <a:extLst>
+              <a:ext uri="{28A0092B-C50C-407E-A947-70E740481C1C}">
+                <a14:useLocalDpi xmlns:a14="http://schemas.microsoft.com/office/drawing/2010/main" val="0"/>
+              </a:ext>
+            </a:extLst>
+          </a:blip>
+          <a:srcRect/>
+          <a:stretch>
+            <a:fillRect/>
+          </a:stretch>
+        </p:blipFill>
+        <p:spPr bwMode="auto">
           <a:xfrm>
-            <a:off x="1402276" y="3120286"/>
-            <a:ext cx="9387447" cy="617427"/>
+            <a:off x="103094" y="1498472"/>
+            <a:ext cx="11985812" cy="3861055"/>
           </a:xfrm>
           <a:prstGeom prst="rect">
             <a:avLst/>
           </a:prstGeom>
+          <a:noFill/>
+          <a:extLst>
+            <a:ext uri="{909E8E84-426E-40DD-AFC4-6F175D3DCCD1}">
+              <a14:hiddenFill xmlns:a14="http://schemas.microsoft.com/office/drawing/2010/main">
+                <a:solidFill>
+                  <a:srgbClr val="FFFFFF"/>
+                </a:solidFill>
+              </a14:hiddenFill>
+            </a:ext>
+          </a:extLst>
         </p:spPr>
-        <p:txBody>
-          <a:bodyPr vert="horz" lIns="91440" tIns="45720" rIns="91440" bIns="45720" rtlCol="0" anchor="b" anchorCtr="0">
-            <a:noAutofit/>
-          </a:bodyPr>
-          <a:lstStyle>
-            <a:lvl1pPr algn="l" defTabSz="914377" rtl="0" eaLnBrk="1" latinLnBrk="0" hangingPunct="1">
-              <a:lnSpc>
-                <a:spcPct val="90000"/>
-              </a:lnSpc>
-              <a:spcBef>
-                <a:spcPct val="0"/>
-              </a:spcBef>
-              <a:buNone/>
-              <a:defRPr sz="2600" kern="1200">
-                <a:solidFill>
-                  <a:schemeClr val="tx1"/>
-                </a:solidFill>
-                <a:latin typeface="+mj-lt"/>
-                <a:ea typeface="+mj-ea"/>
-                <a:cs typeface="+mj-cs"/>
-              </a:defRPr>
-            </a:lvl1pPr>
-          </a:lstStyle>
-          <a:p>
-            <a:pPr algn="ctr"/>
-            <a:r>
-              <a:rPr lang="es-ES" sz="3200" dirty="0">
-                <a:latin typeface="Segoe UI" panose="020B0502040204020203" pitchFamily="34" charset="0"/>
-                <a:ea typeface="Calibri" panose="020F0502020204030204" pitchFamily="34" charset="0"/>
-                <a:cs typeface="Segoe UI" panose="020B0502040204020203" pitchFamily="34" charset="0"/>
-              </a:rPr>
-              <a:t>Potencial de </a:t>
-            </a:r>
-            <a:r>
-              <a:rPr lang="es-ES" sz="3200" b="1" dirty="0">
-                <a:latin typeface="Segoe UI" panose="020B0502040204020203" pitchFamily="34" charset="0"/>
-                <a:ea typeface="Calibri" panose="020F0502020204030204" pitchFamily="34" charset="0"/>
-                <a:cs typeface="Segoe UI" panose="020B0502040204020203" pitchFamily="34" charset="0"/>
-              </a:rPr>
-              <a:t>escurrimiento</a:t>
-            </a:r>
-            <a:r>
-              <a:rPr lang="es-ES" sz="3200" dirty="0">
-                <a:latin typeface="Segoe UI" panose="020B0502040204020203" pitchFamily="34" charset="0"/>
-                <a:ea typeface="Calibri" panose="020F0502020204030204" pitchFamily="34" charset="0"/>
-                <a:cs typeface="Segoe UI" panose="020B0502040204020203" pitchFamily="34" charset="0"/>
-              </a:rPr>
-              <a:t> por celda en m³/s</a:t>
-            </a:r>
-            <a:endParaRPr lang="en-US" sz="3200" dirty="0">
-              <a:latin typeface="Segoe UI" panose="020B0502040204020203" pitchFamily="34" charset="0"/>
-              <a:cs typeface="Segoe UI" panose="020B0502040204020203" pitchFamily="34" charset="0"/>
-            </a:endParaRPr>
-          </a:p>
-        </p:txBody>
-      </p:sp>
+      </p:pic>
     </p:spTree>
     <p:extLst>
       <p:ext uri="{BB962C8B-B14F-4D97-AF65-F5344CB8AC3E}">
-        <p14:creationId xmlns:p14="http://schemas.microsoft.com/office/powerpoint/2010/main" val="3753611666"/>
+        <p14:creationId xmlns:p14="http://schemas.microsoft.com/office/powerpoint/2010/main" val="995208302"/>
       </p:ext>
     </p:extLst>
   </p:cSld>
@@ -9430,12 +9496,12 @@
   </p:clrMapOvr>
   <mc:AlternateContent xmlns:mc="http://schemas.openxmlformats.org/markup-compatibility/2006" xmlns:p14="http://schemas.microsoft.com/office/powerpoint/2010/main">
     <mc:Choice Requires="p14">
-      <p:transition spd="med" p14:dur="700" advTm="2656">
+      <p:transition spd="med" p14:dur="700" advTm="11266">
         <p:fade/>
       </p:transition>
     </mc:Choice>
     <mc:Fallback xmlns="">
-      <p:transition spd="med" advTm="2656">
+      <p:transition spd="med" advTm="11266">
         <p:fade/>
       </p:transition>
     </mc:Fallback>
@@ -9460,81 +9526,40 @@
           <a:chExt cx="0" cy="0"/>
         </a:xfrm>
       </p:grpSpPr>
-      <p:sp>
-        <p:nvSpPr>
-          <p:cNvPr id="2" name="Title 1">
+      <p:pic>
+        <p:nvPicPr>
+          <p:cNvPr id="3" name="Picture 2">
             <a:extLst>
               <a:ext uri="{FF2B5EF4-FFF2-40B4-BE49-F238E27FC236}">
-                <a16:creationId xmlns:a16="http://schemas.microsoft.com/office/drawing/2014/main" id="{761F1C5F-080A-39E7-EE8E-E3BC1FA08D55}"/>
+                <a16:creationId xmlns:a16="http://schemas.microsoft.com/office/drawing/2014/main" id="{C6655AEE-8A9C-E9C7-6FC0-5A8D19545E71}"/>
               </a:ext>
             </a:extLst>
           </p:cNvPr>
-          <p:cNvSpPr txBox="1">
-            <a:spLocks/>
-          </p:cNvSpPr>
+          <p:cNvPicPr>
+            <a:picLocks noChangeAspect="1"/>
+          </p:cNvPicPr>
           <p:nvPr/>
-        </p:nvSpPr>
+        </p:nvPicPr>
+        <p:blipFill>
+          <a:blip r:embed="rId3"/>
+          <a:stretch>
+            <a:fillRect/>
+          </a:stretch>
+        </p:blipFill>
         <p:spPr>
           <a:xfrm>
-            <a:off x="1402276" y="3120286"/>
-            <a:ext cx="9387447" cy="617427"/>
+            <a:off x="934762" y="157346"/>
+            <a:ext cx="10322475" cy="6543308"/>
           </a:xfrm>
           <a:prstGeom prst="rect">
             <a:avLst/>
           </a:prstGeom>
         </p:spPr>
-        <p:txBody>
-          <a:bodyPr vert="horz" lIns="91440" tIns="45720" rIns="91440" bIns="45720" rtlCol="0" anchor="b" anchorCtr="0">
-            <a:noAutofit/>
-          </a:bodyPr>
-          <a:lstStyle>
-            <a:lvl1pPr algn="l" defTabSz="914377" rtl="0" eaLnBrk="1" latinLnBrk="0" hangingPunct="1">
-              <a:lnSpc>
-                <a:spcPct val="90000"/>
-              </a:lnSpc>
-              <a:spcBef>
-                <a:spcPct val="0"/>
-              </a:spcBef>
-              <a:buNone/>
-              <a:defRPr sz="2600" kern="1200">
-                <a:solidFill>
-                  <a:schemeClr val="tx1"/>
-                </a:solidFill>
-                <a:latin typeface="+mj-lt"/>
-                <a:ea typeface="+mj-ea"/>
-                <a:cs typeface="+mj-cs"/>
-              </a:defRPr>
-            </a:lvl1pPr>
-          </a:lstStyle>
-          <a:p>
-            <a:pPr algn="ctr"/>
-            <a:r>
-              <a:rPr lang="es-ES" sz="3200" dirty="0">
-                <a:latin typeface="Segoe UI" panose="020B0502040204020203" pitchFamily="34" charset="0"/>
-                <a:ea typeface="Calibri" panose="020F0502020204030204" pitchFamily="34" charset="0"/>
-                <a:cs typeface="Segoe UI" panose="020B0502040204020203" pitchFamily="34" charset="0"/>
-              </a:rPr>
-              <a:t>Actividades</a:t>
-            </a:r>
-            <a:r>
-              <a:rPr lang="es-ES" sz="3200" b="1" dirty="0">
-                <a:latin typeface="Segoe UI" panose="020B0502040204020203" pitchFamily="34" charset="0"/>
-                <a:ea typeface="Calibri" panose="020F0502020204030204" pitchFamily="34" charset="0"/>
-                <a:cs typeface="Segoe UI" panose="020B0502040204020203" pitchFamily="34" charset="0"/>
-              </a:rPr>
-              <a:t> complementarias</a:t>
-            </a:r>
-            <a:endParaRPr lang="en-US" sz="3200" dirty="0">
-              <a:latin typeface="Segoe UI" panose="020B0502040204020203" pitchFamily="34" charset="0"/>
-              <a:cs typeface="Segoe UI" panose="020B0502040204020203" pitchFamily="34" charset="0"/>
-            </a:endParaRPr>
-          </a:p>
-        </p:txBody>
-      </p:sp>
+      </p:pic>
     </p:spTree>
     <p:extLst>
       <p:ext uri="{BB962C8B-B14F-4D97-AF65-F5344CB8AC3E}">
-        <p14:creationId xmlns:p14="http://schemas.microsoft.com/office/powerpoint/2010/main" val="3729131747"/>
+        <p14:creationId xmlns:p14="http://schemas.microsoft.com/office/powerpoint/2010/main" val="1566835322"/>
       </p:ext>
     </p:extLst>
   </p:cSld>
@@ -9543,12 +9568,12 @@
   </p:clrMapOvr>
   <mc:AlternateContent xmlns:mc="http://schemas.openxmlformats.org/markup-compatibility/2006" xmlns:p14="http://schemas.microsoft.com/office/powerpoint/2010/main">
     <mc:Choice Requires="p14">
-      <p:transition spd="med" p14:dur="700" advTm="2994">
+      <p:transition spd="med" p14:dur="700" advTm="11266">
         <p:fade/>
       </p:transition>
     </mc:Choice>
     <mc:Fallback xmlns="">
-      <p:transition spd="med" advTm="2994">
+      <p:transition spd="med" advTm="11266">
         <p:fade/>
       </p:transition>
     </mc:Fallback>
@@ -9694,6 +9719,119 @@
 </file>
 
 <file path=ppt/slides/slide20.xml><?xml version="1.0" encoding="utf-8"?>
+<p:sld xmlns:a="http://schemas.openxmlformats.org/drawingml/2006/main" xmlns:r="http://schemas.openxmlformats.org/officeDocument/2006/relationships" xmlns:p="http://schemas.openxmlformats.org/presentationml/2006/main">
+  <p:cSld>
+    <p:spTree>
+      <p:nvGrpSpPr>
+        <p:cNvPr id="1" name=""/>
+        <p:cNvGrpSpPr/>
+        <p:nvPr/>
+      </p:nvGrpSpPr>
+      <p:grpSpPr>
+        <a:xfrm>
+          <a:off x="0" y="0"/>
+          <a:ext cx="0" cy="0"/>
+          <a:chOff x="0" y="0"/>
+          <a:chExt cx="0" cy="0"/>
+        </a:xfrm>
+      </p:grpSpPr>
+      <p:sp>
+        <p:nvSpPr>
+          <p:cNvPr id="2" name="Title 1">
+            <a:extLst>
+              <a:ext uri="{FF2B5EF4-FFF2-40B4-BE49-F238E27FC236}">
+                <a16:creationId xmlns:a16="http://schemas.microsoft.com/office/drawing/2014/main" id="{761F1C5F-080A-39E7-EE8E-E3BC1FA08D55}"/>
+              </a:ext>
+            </a:extLst>
+          </p:cNvPr>
+          <p:cNvSpPr txBox="1">
+            <a:spLocks/>
+          </p:cNvSpPr>
+          <p:nvPr/>
+        </p:nvSpPr>
+        <p:spPr>
+          <a:xfrm>
+            <a:off x="1402276" y="3120286"/>
+            <a:ext cx="9387447" cy="617427"/>
+          </a:xfrm>
+          <a:prstGeom prst="rect">
+            <a:avLst/>
+          </a:prstGeom>
+        </p:spPr>
+        <p:txBody>
+          <a:bodyPr vert="horz" lIns="91440" tIns="45720" rIns="91440" bIns="45720" rtlCol="0" anchor="b" anchorCtr="0">
+            <a:noAutofit/>
+          </a:bodyPr>
+          <a:lstStyle>
+            <a:lvl1pPr algn="l" defTabSz="914377" rtl="0" eaLnBrk="1" latinLnBrk="0" hangingPunct="1">
+              <a:lnSpc>
+                <a:spcPct val="90000"/>
+              </a:lnSpc>
+              <a:spcBef>
+                <a:spcPct val="0"/>
+              </a:spcBef>
+              <a:buNone/>
+              <a:defRPr sz="2600" kern="1200">
+                <a:solidFill>
+                  <a:schemeClr val="tx1"/>
+                </a:solidFill>
+                <a:latin typeface="+mj-lt"/>
+                <a:ea typeface="+mj-ea"/>
+                <a:cs typeface="+mj-cs"/>
+              </a:defRPr>
+            </a:lvl1pPr>
+          </a:lstStyle>
+          <a:p>
+            <a:pPr algn="ctr"/>
+            <a:r>
+              <a:rPr lang="es-ES" sz="3200" dirty="0">
+                <a:latin typeface="Segoe UI" panose="020B0502040204020203" pitchFamily="34" charset="0"/>
+                <a:ea typeface="Calibri" panose="020F0502020204030204" pitchFamily="34" charset="0"/>
+                <a:cs typeface="Segoe UI" panose="020B0502040204020203" pitchFamily="34" charset="0"/>
+              </a:rPr>
+              <a:t>Actividades</a:t>
+            </a:r>
+            <a:r>
+              <a:rPr lang="es-ES" sz="3200" b="1" dirty="0">
+                <a:latin typeface="Segoe UI" panose="020B0502040204020203" pitchFamily="34" charset="0"/>
+                <a:ea typeface="Calibri" panose="020F0502020204030204" pitchFamily="34" charset="0"/>
+                <a:cs typeface="Segoe UI" panose="020B0502040204020203" pitchFamily="34" charset="0"/>
+              </a:rPr>
+              <a:t> complementarias</a:t>
+            </a:r>
+            <a:endParaRPr lang="en-US" sz="3200" dirty="0">
+              <a:latin typeface="Segoe UI" panose="020B0502040204020203" pitchFamily="34" charset="0"/>
+              <a:cs typeface="Segoe UI" panose="020B0502040204020203" pitchFamily="34" charset="0"/>
+            </a:endParaRPr>
+          </a:p>
+        </p:txBody>
+      </p:sp>
+    </p:spTree>
+    <p:extLst>
+      <p:ext uri="{BB962C8B-B14F-4D97-AF65-F5344CB8AC3E}">
+        <p14:creationId xmlns:p14="http://schemas.microsoft.com/office/powerpoint/2010/main" val="3729131747"/>
+      </p:ext>
+    </p:extLst>
+  </p:cSld>
+  <p:clrMapOvr>
+    <a:masterClrMapping/>
+  </p:clrMapOvr>
+  <mc:AlternateContent xmlns:mc="http://schemas.openxmlformats.org/markup-compatibility/2006" xmlns:p14="http://schemas.microsoft.com/office/powerpoint/2010/main">
+    <mc:Choice Requires="p14">
+      <p:transition spd="med" p14:dur="700" advTm="2994">
+        <p:fade/>
+      </p:transition>
+    </mc:Choice>
+    <mc:Fallback xmlns="">
+      <p:transition spd="med" advTm="2994">
+        <p:fade/>
+      </p:transition>
+    </mc:Fallback>
+  </mc:AlternateContent>
+</p:sld>
+</file>
+
+<file path=ppt/slides/slide21.xml><?xml version="1.0" encoding="utf-8"?>
 <p:sld xmlns:a="http://schemas.openxmlformats.org/drawingml/2006/main" xmlns:r="http://schemas.openxmlformats.org/officeDocument/2006/relationships" xmlns:p="http://schemas.openxmlformats.org/presentationml/2006/main">
   <p:cSld>
     <p:spTree>
@@ -9880,7 +10018,7 @@
 </p:sld>
 </file>
 
-<file path=ppt/slides/slide21.xml><?xml version="1.0" encoding="utf-8"?>
+<file path=ppt/slides/slide22.xml><?xml version="1.0" encoding="utf-8"?>
 <p:sld xmlns:a="http://schemas.openxmlformats.org/drawingml/2006/main" xmlns:r="http://schemas.openxmlformats.org/officeDocument/2006/relationships" xmlns:p="http://schemas.openxmlformats.org/presentationml/2006/main">
   <p:cSld>
     <p:spTree>
@@ -9915,8 +10053,8 @@
         </p:nvSpPr>
         <p:spPr>
           <a:xfrm>
-            <a:off x="1777555" y="3017884"/>
-            <a:ext cx="8636889" cy="1661692"/>
+            <a:off x="1362575" y="3017884"/>
+            <a:ext cx="9466849" cy="1661692"/>
           </a:xfrm>
         </p:spPr>
         <p:txBody>
@@ -9937,7 +10075,7 @@
                 <a:ea typeface="Segoe UI Black" panose="020B0A02040204020203" pitchFamily="34" charset="0"/>
                 <a:cs typeface="Segoe UI" panose="020B0502040204020203" pitchFamily="34" charset="0"/>
               </a:rPr>
-              <a:t>Para completar el balance hidrológico distribuido usando SIG, consulta la guía de clase detallada de esta actividad. Si necesitas ayuda, da clic en el enlace Ayuda o Colabora, que se encuentra en el enlace adjunto de la descripción.</a:t>
+              <a:t>Para completar la lectura y análisis de caudales y áreas de aportación en nodos característicos, consulta la guía de clase detallada de esta actividad. Si necesitas ayuda, da clic en el enlace Ayuda o Colabora, que se encuentra en el enlace adjunto de la descripción.</a:t>
             </a:r>
           </a:p>
         </p:txBody>
@@ -10003,7 +10141,7 @@
 </p:sld>
 </file>
 
-<file path=ppt/slides/slide22.xml><?xml version="1.0" encoding="utf-8"?>
+<file path=ppt/slides/slide23.xml><?xml version="1.0" encoding="utf-8"?>
 <p:sld xmlns:a="http://schemas.openxmlformats.org/drawingml/2006/main" xmlns:r="http://schemas.openxmlformats.org/officeDocument/2006/relationships" xmlns:p="http://schemas.openxmlformats.org/presentationml/2006/main">
   <p:cSld>
     <p:spTree>

--- a/Section05/FlowPoint/FlowPoint.pptx
+++ b/Section05/FlowPoint/FlowPoint.pptx
@@ -8285,14 +8285,14 @@
   <p:clrMapOvr>
     <a:masterClrMapping/>
   </p:clrMapOvr>
-  <mc:AlternateContent xmlns:mc="http://schemas.openxmlformats.org/markup-compatibility/2006" xmlns:p14="http://schemas.microsoft.com/office/powerpoint/2010/main">
-    <mc:Choice Requires="p14">
-      <p:transition spd="med" p14:dur="700" advTm="11930">
+  <mc:AlternateContent xmlns:mc="http://schemas.openxmlformats.org/markup-compatibility/2006">
+    <mc:Choice xmlns:p14="http://schemas.microsoft.com/office/powerpoint/2010/main" Requires="p14">
+      <p:transition spd="med" p14:dur="700" advTm="7182">
         <p:fade/>
       </p:transition>
     </mc:Choice>
-    <mc:Fallback xmlns="">
-      <p:transition spd="med" advTm="11930">
+    <mc:Fallback>
+      <p:transition spd="med" advTm="7182">
         <p:fade/>
       </p:transition>
     </mc:Fallback>
@@ -8372,14 +8372,14 @@
   <p:clrMapOvr>
     <a:masterClrMapping/>
   </p:clrMapOvr>
-  <mc:AlternateContent xmlns:mc="http://schemas.openxmlformats.org/markup-compatibility/2006" xmlns:p14="http://schemas.microsoft.com/office/powerpoint/2010/main">
-    <mc:Choice Requires="p14">
-      <p:transition spd="med" p14:dur="700" advTm="11266">
+  <mc:AlternateContent xmlns:mc="http://schemas.openxmlformats.org/markup-compatibility/2006">
+    <mc:Choice xmlns:p14="http://schemas.microsoft.com/office/powerpoint/2010/main" Requires="p14">
+      <p:transition spd="med" p14:dur="700" advTm="35515">
         <p:fade/>
       </p:transition>
     </mc:Choice>
-    <mc:Fallback xmlns="">
-      <p:transition spd="med" advTm="11266">
+    <mc:Fallback>
+      <p:transition spd="med" advTm="35515">
         <p:fade/>
       </p:transition>
     </mc:Fallback>
@@ -8459,14 +8459,14 @@
   <p:clrMapOvr>
     <a:masterClrMapping/>
   </p:clrMapOvr>
-  <mc:AlternateContent xmlns:mc="http://schemas.openxmlformats.org/markup-compatibility/2006" xmlns:p14="http://schemas.microsoft.com/office/powerpoint/2010/main">
-    <mc:Choice Requires="p14">
-      <p:transition spd="med" p14:dur="700" advTm="11266">
+  <mc:AlternateContent xmlns:mc="http://schemas.openxmlformats.org/markup-compatibility/2006">
+    <mc:Choice xmlns:p14="http://schemas.microsoft.com/office/powerpoint/2010/main" Requires="p14">
+      <p:transition spd="med" p14:dur="700" advTm="8697">
         <p:fade/>
       </p:transition>
     </mc:Choice>
-    <mc:Fallback xmlns="">
-      <p:transition spd="med" advTm="11266">
+    <mc:Fallback>
+      <p:transition spd="med" advTm="8697">
         <p:fade/>
       </p:transition>
     </mc:Fallback>
@@ -8546,14 +8546,14 @@
   <p:clrMapOvr>
     <a:masterClrMapping/>
   </p:clrMapOvr>
-  <mc:AlternateContent xmlns:mc="http://schemas.openxmlformats.org/markup-compatibility/2006" xmlns:p14="http://schemas.microsoft.com/office/powerpoint/2010/main">
-    <mc:Choice Requires="p14">
-      <p:transition spd="med" p14:dur="700" advTm="11266">
+  <mc:AlternateContent xmlns:mc="http://schemas.openxmlformats.org/markup-compatibility/2006">
+    <mc:Choice xmlns:p14="http://schemas.microsoft.com/office/powerpoint/2010/main" Requires="p14">
+      <p:transition spd="med" p14:dur="700" advTm="18666">
         <p:fade/>
       </p:transition>
     </mc:Choice>
-    <mc:Fallback xmlns="">
-      <p:transition spd="med" advTm="11266">
+    <mc:Fallback>
+      <p:transition spd="med" advTm="18666">
         <p:fade/>
       </p:transition>
     </mc:Fallback>
@@ -8776,14 +8776,14 @@
   <p:clrMapOvr>
     <a:masterClrMapping/>
   </p:clrMapOvr>
-  <mc:AlternateContent xmlns:mc="http://schemas.openxmlformats.org/markup-compatibility/2006" xmlns:p14="http://schemas.microsoft.com/office/powerpoint/2010/main">
-    <mc:Choice Requires="p14">
-      <p:transition spd="med" p14:dur="700" advTm="11266">
+  <mc:AlternateContent xmlns:mc="http://schemas.openxmlformats.org/markup-compatibility/2006">
+    <mc:Choice xmlns:p14="http://schemas.microsoft.com/office/powerpoint/2010/main" Requires="p14">
+      <p:transition spd="med" p14:dur="700" advTm="14918">
         <p:fade/>
       </p:transition>
     </mc:Choice>
-    <mc:Fallback xmlns="">
-      <p:transition spd="med" advTm="11266">
+    <mc:Fallback>
+      <p:transition spd="med" advTm="14918">
         <p:fade/>
       </p:transition>
     </mc:Fallback>
@@ -9006,14 +9006,14 @@
   <p:clrMapOvr>
     <a:masterClrMapping/>
   </p:clrMapOvr>
-  <mc:AlternateContent xmlns:mc="http://schemas.openxmlformats.org/markup-compatibility/2006" xmlns:p14="http://schemas.microsoft.com/office/powerpoint/2010/main">
-    <mc:Choice Requires="p14">
-      <p:transition spd="med" p14:dur="700" advTm="11266">
+  <mc:AlternateContent xmlns:mc="http://schemas.openxmlformats.org/markup-compatibility/2006">
+    <mc:Choice xmlns:p14="http://schemas.microsoft.com/office/powerpoint/2010/main" Requires="p14">
+      <p:transition spd="med" p14:dur="700" advTm="6241">
         <p:fade/>
       </p:transition>
     </mc:Choice>
-    <mc:Fallback xmlns="">
-      <p:transition spd="med" advTm="11266">
+    <mc:Fallback>
+      <p:transition spd="med" advTm="6241">
         <p:fade/>
       </p:transition>
     </mc:Fallback>
@@ -9236,14 +9236,14 @@
   <p:clrMapOvr>
     <a:masterClrMapping/>
   </p:clrMapOvr>
-  <mc:AlternateContent xmlns:mc="http://schemas.openxmlformats.org/markup-compatibility/2006" xmlns:p14="http://schemas.microsoft.com/office/powerpoint/2010/main">
-    <mc:Choice Requires="p14">
-      <p:transition spd="med" p14:dur="700" advTm="11266">
+  <mc:AlternateContent xmlns:mc="http://schemas.openxmlformats.org/markup-compatibility/2006">
+    <mc:Choice xmlns:p14="http://schemas.microsoft.com/office/powerpoint/2010/main" Requires="p14">
+      <p:transition spd="med" p14:dur="700" advTm="8753">
         <p:fade/>
       </p:transition>
     </mc:Choice>
-    <mc:Fallback xmlns="">
-      <p:transition spd="med" advTm="11266">
+    <mc:Fallback>
+      <p:transition spd="med" advTm="8753">
         <p:fade/>
       </p:transition>
     </mc:Fallback>
@@ -9308,14 +9308,14 @@
   <p:clrMapOvr>
     <a:masterClrMapping/>
   </p:clrMapOvr>
-  <mc:AlternateContent xmlns:mc="http://schemas.openxmlformats.org/markup-compatibility/2006" xmlns:p14="http://schemas.microsoft.com/office/powerpoint/2010/main">
-    <mc:Choice Requires="p14">
-      <p:transition spd="med" p14:dur="700" advTm="11266">
+  <mc:AlternateContent xmlns:mc="http://schemas.openxmlformats.org/markup-compatibility/2006">
+    <mc:Choice xmlns:p14="http://schemas.microsoft.com/office/powerpoint/2010/main" Requires="p14">
+      <p:transition spd="med" p14:dur="700" advTm="7934">
         <p:fade/>
       </p:transition>
     </mc:Choice>
-    <mc:Fallback xmlns="">
-      <p:transition spd="med" advTm="11266">
+    <mc:Fallback>
+      <p:transition spd="med" advTm="7934">
         <p:fade/>
       </p:transition>
     </mc:Fallback>
@@ -9397,14 +9397,14 @@
   <p:clrMapOvr>
     <a:masterClrMapping/>
   </p:clrMapOvr>
-  <mc:AlternateContent xmlns:mc="http://schemas.openxmlformats.org/markup-compatibility/2006" xmlns:p14="http://schemas.microsoft.com/office/powerpoint/2010/main">
-    <mc:Choice Requires="p14">
-      <p:transition spd="med" p14:dur="700" advTm="11266">
+  <mc:AlternateContent xmlns:mc="http://schemas.openxmlformats.org/markup-compatibility/2006">
+    <mc:Choice xmlns:p14="http://schemas.microsoft.com/office/powerpoint/2010/main" Requires="p14">
+      <p:transition spd="med" p14:dur="700" advTm="13644">
         <p:fade/>
       </p:transition>
     </mc:Choice>
-    <mc:Fallback xmlns="">
-      <p:transition spd="med" advTm="11266">
+    <mc:Fallback>
+      <p:transition spd="med" advTm="13644">
         <p:fade/>
       </p:transition>
     </mc:Fallback>
@@ -9494,14 +9494,14 @@
   <p:clrMapOvr>
     <a:masterClrMapping/>
   </p:clrMapOvr>
-  <mc:AlternateContent xmlns:mc="http://schemas.openxmlformats.org/markup-compatibility/2006" xmlns:p14="http://schemas.microsoft.com/office/powerpoint/2010/main">
-    <mc:Choice Requires="p14">
-      <p:transition spd="med" p14:dur="700" advTm="11266">
+  <mc:AlternateContent xmlns:mc="http://schemas.openxmlformats.org/markup-compatibility/2006">
+    <mc:Choice xmlns:p14="http://schemas.microsoft.com/office/powerpoint/2010/main" Requires="p14">
+      <p:transition spd="med" p14:dur="700" advTm="8843">
         <p:fade/>
       </p:transition>
     </mc:Choice>
-    <mc:Fallback xmlns="">
-      <p:transition spd="med" advTm="11266">
+    <mc:Fallback>
+      <p:transition spd="med" advTm="8843">
         <p:fade/>
       </p:transition>
     </mc:Fallback>
@@ -9566,14 +9566,14 @@
   <p:clrMapOvr>
     <a:masterClrMapping/>
   </p:clrMapOvr>
-  <mc:AlternateContent xmlns:mc="http://schemas.openxmlformats.org/markup-compatibility/2006" xmlns:p14="http://schemas.microsoft.com/office/powerpoint/2010/main">
-    <mc:Choice Requires="p14">
-      <p:transition spd="med" p14:dur="700" advTm="11266">
+  <mc:AlternateContent xmlns:mc="http://schemas.openxmlformats.org/markup-compatibility/2006">
+    <mc:Choice xmlns:p14="http://schemas.microsoft.com/office/powerpoint/2010/main" Requires="p14">
+      <p:transition spd="med" p14:dur="700" advTm="23287">
         <p:fade/>
       </p:transition>
     </mc:Choice>
-    <mc:Fallback xmlns="">
-      <p:transition spd="med" advTm="11266">
+    <mc:Fallback>
+      <p:transition spd="med" advTm="23287">
         <p:fade/>
       </p:transition>
     </mc:Fallback>
@@ -9703,14 +9703,14 @@
   <p:clrMapOvr>
     <a:masterClrMapping/>
   </p:clrMapOvr>
-  <mc:AlternateContent xmlns:mc="http://schemas.openxmlformats.org/markup-compatibility/2006" xmlns:p14="http://schemas.microsoft.com/office/powerpoint/2010/main">
-    <mc:Choice Requires="p14">
-      <p:transition spd="med" p14:dur="700" advTm="10122">
+  <mc:AlternateContent xmlns:mc="http://schemas.openxmlformats.org/markup-compatibility/2006">
+    <mc:Choice xmlns:p14="http://schemas.microsoft.com/office/powerpoint/2010/main" Requires="p14">
+      <p:transition spd="med" p14:dur="700" advTm="19697">
         <p:fade/>
       </p:transition>
     </mc:Choice>
-    <mc:Fallback xmlns="">
-      <p:transition spd="med" advTm="10122">
+    <mc:Fallback>
+      <p:transition spd="med" advTm="19697">
         <p:fade/>
       </p:transition>
     </mc:Fallback>
@@ -9816,14 +9816,14 @@
   <p:clrMapOvr>
     <a:masterClrMapping/>
   </p:clrMapOvr>
-  <mc:AlternateContent xmlns:mc="http://schemas.openxmlformats.org/markup-compatibility/2006" xmlns:p14="http://schemas.microsoft.com/office/powerpoint/2010/main">
-    <mc:Choice Requires="p14">
-      <p:transition spd="med" p14:dur="700" advTm="2994">
+  <mc:AlternateContent xmlns:mc="http://schemas.openxmlformats.org/markup-compatibility/2006">
+    <mc:Choice xmlns:p14="http://schemas.microsoft.com/office/powerpoint/2010/main" Requires="p14">
+      <p:transition spd="med" p14:dur="700" advTm="3737">
         <p:fade/>
       </p:transition>
     </mc:Choice>
-    <mc:Fallback xmlns="">
-      <p:transition spd="med" advTm="2994">
+    <mc:Fallback>
+      <p:transition spd="med" advTm="3737">
         <p:fade/>
       </p:transition>
     </mc:Fallback>
@@ -10003,14 +10003,14 @@
   <p:clrMapOvr>
     <a:masterClrMapping/>
   </p:clrMapOvr>
-  <mc:AlternateContent xmlns:mc="http://schemas.openxmlformats.org/markup-compatibility/2006" xmlns:p14="http://schemas.microsoft.com/office/powerpoint/2010/main">
-    <mc:Choice Requires="p14">
-      <p:transition spd="med" p14:dur="700" advTm="13955">
+  <mc:AlternateContent xmlns:mc="http://schemas.openxmlformats.org/markup-compatibility/2006">
+    <mc:Choice xmlns:p14="http://schemas.microsoft.com/office/powerpoint/2010/main" Requires="p14">
+      <p:transition spd="med" p14:dur="700" advTm="14338">
         <p:fade/>
       </p:transition>
     </mc:Choice>
-    <mc:Fallback xmlns="">
-      <p:transition spd="med" advTm="13955">
+    <mc:Fallback>
+      <p:transition spd="med" advTm="14338">
         <p:fade/>
       </p:transition>
     </mc:Fallback>
@@ -10126,14 +10126,14 @@
   <p:clrMapOvr>
     <a:masterClrMapping/>
   </p:clrMapOvr>
-  <mc:AlternateContent xmlns:mc="http://schemas.openxmlformats.org/markup-compatibility/2006" xmlns:p14="http://schemas.microsoft.com/office/powerpoint/2010/main">
-    <mc:Choice Requires="p14">
-      <p:transition spd="med" p14:dur="700" advTm="10562">
+  <mc:AlternateContent xmlns:mc="http://schemas.openxmlformats.org/markup-compatibility/2006">
+    <mc:Choice xmlns:p14="http://schemas.microsoft.com/office/powerpoint/2010/main" Requires="p14">
+      <p:transition spd="med" p14:dur="700" advTm="12479">
         <p:fade/>
       </p:transition>
     </mc:Choice>
-    <mc:Fallback xmlns="">
-      <p:transition spd="med" advTm="10562">
+    <mc:Fallback>
+      <p:transition spd="med" advTm="12479">
         <p:fade/>
       </p:transition>
     </mc:Fallback>
@@ -10277,14 +10277,14 @@
   <p:clrMapOvr>
     <a:masterClrMapping/>
   </p:clrMapOvr>
-  <mc:AlternateContent xmlns:mc="http://schemas.openxmlformats.org/markup-compatibility/2006" xmlns:p14="http://schemas.microsoft.com/office/powerpoint/2010/main">
-    <mc:Choice Requires="p14">
-      <p:transition spd="med" p14:dur="700" advTm="6104">
+  <mc:AlternateContent xmlns:mc="http://schemas.openxmlformats.org/markup-compatibility/2006">
+    <mc:Choice xmlns:p14="http://schemas.microsoft.com/office/powerpoint/2010/main" Requires="p14">
+      <p:transition spd="med" p14:dur="700" advTm="4777">
         <p:fade/>
       </p:transition>
     </mc:Choice>
-    <mc:Fallback xmlns="">
-      <p:transition spd="med" advTm="6104">
+    <mc:Fallback>
+      <p:transition spd="med" advTm="4777">
         <p:fade/>
       </p:transition>
     </mc:Fallback>
@@ -10520,14 +10520,14 @@
   <p:clrMapOvr>
     <a:masterClrMapping/>
   </p:clrMapOvr>
-  <mc:AlternateContent xmlns:mc="http://schemas.openxmlformats.org/markup-compatibility/2006" xmlns:p14="http://schemas.microsoft.com/office/powerpoint/2010/main">
-    <mc:Choice Requires="p14">
-      <p:transition spd="med" p14:dur="700" advTm="4422">
+  <mc:AlternateContent xmlns:mc="http://schemas.openxmlformats.org/markup-compatibility/2006">
+    <mc:Choice xmlns:p14="http://schemas.microsoft.com/office/powerpoint/2010/main" Requires="p14">
+      <p:transition spd="med" p14:dur="700" advTm="4303">
         <p:fade/>
       </p:transition>
     </mc:Choice>
-    <mc:Fallback xmlns="">
-      <p:transition spd="med" advTm="4422">
+    <mc:Fallback>
+      <p:transition spd="med" advTm="4303">
         <p:fade/>
       </p:transition>
     </mc:Fallback>
@@ -10715,14 +10715,14 @@
   <p:clrMapOvr>
     <a:masterClrMapping/>
   </p:clrMapOvr>
-  <mc:AlternateContent xmlns:mc="http://schemas.openxmlformats.org/markup-compatibility/2006" xmlns:p14="http://schemas.microsoft.com/office/powerpoint/2010/main">
-    <mc:Choice Requires="p14">
-      <p:transition spd="med" p14:dur="700" advTm="14166">
+  <mc:AlternateContent xmlns:mc="http://schemas.openxmlformats.org/markup-compatibility/2006">
+    <mc:Choice xmlns:p14="http://schemas.microsoft.com/office/powerpoint/2010/main" Requires="p14">
+      <p:transition spd="med" p14:dur="700" advTm="8810">
         <p:fade/>
       </p:transition>
     </mc:Choice>
-    <mc:Fallback xmlns="">
-      <p:transition spd="med" advTm="14166">
+    <mc:Fallback>
+      <p:transition spd="med" advTm="8810">
         <p:fade/>
       </p:transition>
     </mc:Fallback>
@@ -10910,14 +10910,14 @@
   <p:clrMapOvr>
     <a:masterClrMapping/>
   </p:clrMapOvr>
-  <mc:AlternateContent xmlns:mc="http://schemas.openxmlformats.org/markup-compatibility/2006" xmlns:p14="http://schemas.microsoft.com/office/powerpoint/2010/main">
-    <mc:Choice Requires="p14">
-      <p:transition spd="med" p14:dur="700" advTm="14166">
+  <mc:AlternateContent xmlns:mc="http://schemas.openxmlformats.org/markup-compatibility/2006">
+    <mc:Choice xmlns:p14="http://schemas.microsoft.com/office/powerpoint/2010/main" Requires="p14">
+      <p:transition spd="med" p14:dur="700" advTm="11128">
         <p:fade/>
       </p:transition>
     </mc:Choice>
-    <mc:Fallback xmlns="">
-      <p:transition spd="med" advTm="14166">
+    <mc:Fallback>
+      <p:transition spd="med" advTm="11128">
         <p:fade/>
       </p:transition>
     </mc:Fallback>
@@ -11023,14 +11023,14 @@
   <p:clrMapOvr>
     <a:masterClrMapping/>
   </p:clrMapOvr>
-  <mc:AlternateContent xmlns:mc="http://schemas.openxmlformats.org/markup-compatibility/2006" xmlns:p14="http://schemas.microsoft.com/office/powerpoint/2010/main">
-    <mc:Choice Requires="p14">
-      <p:transition spd="med" p14:dur="700" advTm="1569">
+  <mc:AlternateContent xmlns:mc="http://schemas.openxmlformats.org/markup-compatibility/2006">
+    <mc:Choice xmlns:p14="http://schemas.microsoft.com/office/powerpoint/2010/main" Requires="p14">
+      <p:transition spd="med" p14:dur="700" advTm="3464">
         <p:fade/>
       </p:transition>
     </mc:Choice>
-    <mc:Fallback xmlns="">
-      <p:transition spd="med" advTm="1569">
+    <mc:Fallback>
+      <p:transition spd="med" advTm="3464">
         <p:fade/>
       </p:transition>
     </mc:Fallback>
@@ -11172,14 +11172,14 @@
   <p:clrMapOvr>
     <a:masterClrMapping/>
   </p:clrMapOvr>
-  <mc:AlternateContent xmlns:mc="http://schemas.openxmlformats.org/markup-compatibility/2006" xmlns:p14="http://schemas.microsoft.com/office/powerpoint/2010/main">
-    <mc:Choice Requires="p14">
-      <p:transition spd="med" p14:dur="700" advTm="10722">
+  <mc:AlternateContent xmlns:mc="http://schemas.openxmlformats.org/markup-compatibility/2006">
+    <mc:Choice xmlns:p14="http://schemas.microsoft.com/office/powerpoint/2010/main" Requires="p14">
+      <p:transition spd="med" p14:dur="700" advTm="10830">
         <p:fade/>
       </p:transition>
     </mc:Choice>
-    <mc:Fallback xmlns="">
-      <p:transition spd="med" advTm="10722">
+    <mc:Fallback>
+      <p:transition spd="med" advTm="10830">
         <p:fade/>
       </p:transition>
     </mc:Fallback>
@@ -11259,14 +11259,14 @@
   <p:clrMapOvr>
     <a:masterClrMapping/>
   </p:clrMapOvr>
-  <mc:AlternateContent xmlns:mc="http://schemas.openxmlformats.org/markup-compatibility/2006" xmlns:p14="http://schemas.microsoft.com/office/powerpoint/2010/main">
-    <mc:Choice Requires="p14">
-      <p:transition spd="med" p14:dur="700" advTm="11266">
+  <mc:AlternateContent xmlns:mc="http://schemas.openxmlformats.org/markup-compatibility/2006">
+    <mc:Choice xmlns:p14="http://schemas.microsoft.com/office/powerpoint/2010/main" Requires="p14">
+      <p:transition spd="med" p14:dur="700" advTm="32101">
         <p:fade/>
       </p:transition>
     </mc:Choice>
-    <mc:Fallback xmlns="">
-      <p:transition spd="med" advTm="11266">
+    <mc:Fallback>
+      <p:transition spd="med" advTm="32101">
         <p:fade/>
       </p:transition>
     </mc:Fallback>
@@ -11393,14 +11393,14 @@
   <p:clrMapOvr>
     <a:masterClrMapping/>
   </p:clrMapOvr>
-  <mc:AlternateContent xmlns:mc="http://schemas.openxmlformats.org/markup-compatibility/2006" xmlns:p14="http://schemas.microsoft.com/office/powerpoint/2010/main">
-    <mc:Choice Requires="p14">
-      <p:transition spd="med" p14:dur="700" advTm="11266">
+  <mc:AlternateContent xmlns:mc="http://schemas.openxmlformats.org/markup-compatibility/2006">
+    <mc:Choice xmlns:p14="http://schemas.microsoft.com/office/powerpoint/2010/main" Requires="p14">
+      <p:transition spd="med" p14:dur="700" advTm="12843">
         <p:fade/>
       </p:transition>
     </mc:Choice>
-    <mc:Fallback xmlns="">
-      <p:transition spd="med" advTm="11266">
+    <mc:Fallback>
+      <p:transition spd="med" advTm="12843">
         <p:fade/>
       </p:transition>
     </mc:Fallback>
